--- a/Iniciando Git-GitHub.pptx
+++ b/Iniciando Git-GitHub.pptx
@@ -5,7 +5,7 @@
     <p:sldMasterId id="2147484270" r:id="rId1"/>
   </p:sldMasterIdLst>
   <p:notesMasterIdLst>
-    <p:notesMasterId r:id="rId9"/>
+    <p:notesMasterId r:id="rId10"/>
   </p:notesMasterIdLst>
   <p:sldIdLst>
     <p:sldId id="256" r:id="rId2"/>
@@ -14,7 +14,8 @@
     <p:sldId id="259" r:id="rId5"/>
     <p:sldId id="261" r:id="rId6"/>
     <p:sldId id="260" r:id="rId7"/>
-    <p:sldId id="262" r:id="rId8"/>
+    <p:sldId id="263" r:id="rId8"/>
+    <p:sldId id="262" r:id="rId9"/>
   </p:sldIdLst>
   <p:sldSz cx="12192000" cy="6858000"/>
   <p:notesSz cx="6858000" cy="9144000"/>
@@ -124,6 +125,7 @@
             <p14:sldId id="259"/>
             <p14:sldId id="261"/>
             <p14:sldId id="260"/>
+            <p14:sldId id="263"/>
             <p14:sldId id="262"/>
           </p14:sldIdLst>
         </p14:section>
@@ -9523,6 +9525,70 @@
           <p:cNvPr id="2" name="Título 1">
             <a:extLst>
               <a:ext uri="{FF2B5EF4-FFF2-40B4-BE49-F238E27FC236}">
+                <a16:creationId xmlns:a16="http://schemas.microsoft.com/office/drawing/2014/main" id="{D3D8681F-40EB-498F-BC28-CFD419F52A70}"/>
+              </a:ext>
+            </a:extLst>
+          </p:cNvPr>
+          <p:cNvSpPr>
+            <a:spLocks noGrp="1"/>
+          </p:cNvSpPr>
+          <p:nvPr>
+            <p:ph type="title"/>
+          </p:nvPr>
+        </p:nvSpPr>
+        <p:spPr>
+          <a:xfrm>
+            <a:off x="1393638" y="3011062"/>
+            <a:ext cx="9404723" cy="835875"/>
+          </a:xfrm>
+        </p:spPr>
+        <p:txBody>
+          <a:bodyPr/>
+          <a:lstStyle/>
+          <a:p>
+            <a:pPr algn="ctr"/>
+            <a:r>
+              <a:rPr lang="es-ES" dirty="0"/>
+              <a:t>Usando Git</a:t>
+            </a:r>
+          </a:p>
+        </p:txBody>
+      </p:sp>
+    </p:spTree>
+    <p:extLst>
+      <p:ext uri="{BB962C8B-B14F-4D97-AF65-F5344CB8AC3E}">
+        <p14:creationId xmlns:p14="http://schemas.microsoft.com/office/powerpoint/2010/main" val="3571715885"/>
+      </p:ext>
+    </p:extLst>
+  </p:cSld>
+  <p:clrMapOvr>
+    <a:masterClrMapping/>
+  </p:clrMapOvr>
+</p:sld>
+</file>
+
+<file path=ppt/slides/slide8.xml><?xml version="1.0" encoding="utf-8"?>
+<p:sld xmlns:a="http://schemas.openxmlformats.org/drawingml/2006/main" xmlns:r="http://schemas.openxmlformats.org/officeDocument/2006/relationships" xmlns:p="http://schemas.openxmlformats.org/presentationml/2006/main">
+  <p:cSld>
+    <p:spTree>
+      <p:nvGrpSpPr>
+        <p:cNvPr id="1" name=""/>
+        <p:cNvGrpSpPr/>
+        <p:nvPr/>
+      </p:nvGrpSpPr>
+      <p:grpSpPr>
+        <a:xfrm>
+          <a:off x="0" y="0"/>
+          <a:ext cx="0" cy="0"/>
+          <a:chOff x="0" y="0"/>
+          <a:chExt cx="0" cy="0"/>
+        </a:xfrm>
+      </p:grpSpPr>
+      <p:sp>
+        <p:nvSpPr>
+          <p:cNvPr id="2" name="Título 1">
+            <a:extLst>
+              <a:ext uri="{FF2B5EF4-FFF2-40B4-BE49-F238E27FC236}">
                 <a16:creationId xmlns:a16="http://schemas.microsoft.com/office/drawing/2014/main" id="{43294243-4866-4029-B9CB-DB65A7D7994F}"/>
               </a:ext>
             </a:extLst>
@@ -9559,12 +9625,17 @@
             <p:ph idx="1"/>
           </p:nvPr>
         </p:nvSpPr>
-        <p:spPr/>
+        <p:spPr>
+          <a:xfrm>
+            <a:off x="646111" y="2052918"/>
+            <a:ext cx="10876879" cy="4195481"/>
+          </a:xfrm>
+        </p:spPr>
         <p:txBody>
           <a:bodyPr/>
           <a:lstStyle/>
           <a:p>
-            <a:endParaRPr lang="es-ES"/>
+            <a:endParaRPr lang="es-ES" dirty="0"/>
           </a:p>
         </p:txBody>
       </p:sp>
